--- a/SpringBootPPT/SpringBootFundamental.pptx
+++ b/SpringBootPPT/SpringBootFundamental.pptx
@@ -3740,7 +3740,23 @@
             </a:pPr>
             <a:r>
               <a:rPr lang="en-US" sz="1600" dirty="0"/>
-              <a:t>There are two type of test one is Unit test and other is integration test.</a:t>
+              <a:t>There are two type of test one is Unit test and other is integration test. @</a:t>
+            </a:r>
+            <a:r>
+              <a:rPr lang="en-US" sz="1600" dirty="0" err="1"/>
+              <a:t>SpringBootTest</a:t>
+            </a:r>
+            <a:r>
+              <a:rPr lang="en-US" sz="1600" dirty="0"/>
+              <a:t> annotation is used for integration test and @</a:t>
+            </a:r>
+            <a:r>
+              <a:rPr lang="en-US" sz="1600" dirty="0" err="1"/>
+              <a:t>WebMvcTest</a:t>
+            </a:r>
+            <a:r>
+              <a:rPr lang="en-US" sz="1600" dirty="0"/>
+              <a:t> is used for Unit test.</a:t>
             </a:r>
           </a:p>
         </p:txBody>
@@ -3902,12 +3918,290 @@
             <p:ph idx="1"/>
           </p:nvPr>
         </p:nvSpPr>
-        <p:spPr/>
-        <p:txBody>
-          <a:bodyPr/>
-          <a:lstStyle/>
-          <a:p>
-            <a:endParaRPr lang="en-US"/>
+        <p:spPr>
+          <a:xfrm>
+            <a:off x="838200" y="1825624"/>
+            <a:ext cx="10515600" cy="4782209"/>
+          </a:xfrm>
+        </p:spPr>
+        <p:txBody>
+          <a:bodyPr>
+            <a:normAutofit lnSpcReduction="10000"/>
+          </a:bodyPr>
+          <a:lstStyle/>
+          <a:p>
+            <a:pPr marL="0" indent="0">
+              <a:buNone/>
+            </a:pPr>
+            <a:r>
+              <a:rPr lang="en-US" sz="1600" dirty="0"/>
+              <a:t>Swagger provide a standard way to document our restful services. We document what all rest services our service is exposing out and how request and response will look in </a:t>
+            </a:r>
+            <a:r>
+              <a:rPr lang="en-US" sz="1600" dirty="0" err="1"/>
+              <a:t>json</a:t>
+            </a:r>
+            <a:r>
+              <a:rPr lang="en-US" sz="1600" dirty="0"/>
+              <a:t>.</a:t>
+            </a:r>
+          </a:p>
+          <a:p>
+            <a:pPr marL="0" indent="0">
+              <a:buNone/>
+            </a:pPr>
+            <a:r>
+              <a:rPr lang="en-US" sz="1600" b="1" dirty="0"/>
+              <a:t>Swagger specification or Open API Specification.</a:t>
+            </a:r>
+          </a:p>
+          <a:p>
+            <a:pPr marL="0" indent="0">
+              <a:buNone/>
+            </a:pPr>
+            <a:r>
+              <a:rPr lang="en-US" sz="1600" b="1" dirty="0"/>
+              <a:t>Swagger UI- generate beautiful UI</a:t>
+            </a:r>
+          </a:p>
+          <a:p>
+            <a:pPr marL="0" indent="0">
+              <a:buNone/>
+            </a:pPr>
+            <a:r>
+              <a:rPr lang="en-US" sz="1600" b="1" dirty="0"/>
+              <a:t>Swagger Editor – to hand code swagger document</a:t>
+            </a:r>
+          </a:p>
+          <a:p>
+            <a:pPr marL="0" indent="0">
+              <a:buNone/>
+            </a:pPr>
+            <a:r>
+              <a:rPr lang="en-US" sz="1600" b="1" dirty="0"/>
+              <a:t>Swagger </a:t>
+            </a:r>
+            <a:r>
+              <a:rPr lang="en-US" sz="1600" b="1" dirty="0" err="1"/>
+              <a:t>codegen</a:t>
+            </a:r>
+            <a:r>
+              <a:rPr lang="en-US" sz="1600" b="1" dirty="0"/>
+              <a:t> – to generate code.</a:t>
+            </a:r>
+          </a:p>
+          <a:p>
+            <a:pPr marL="0" indent="0">
+              <a:buNone/>
+            </a:pPr>
+            <a:r>
+              <a:rPr lang="en-US" sz="1600" dirty="0"/>
+              <a:t>Swagger allow to customize data using below annotations.</a:t>
+            </a:r>
+          </a:p>
+          <a:p>
+            <a:pPr marL="0" indent="0">
+              <a:buNone/>
+            </a:pPr>
+            <a:r>
+              <a:rPr lang="en-US" sz="1600" dirty="0"/>
+              <a:t>@</a:t>
+            </a:r>
+            <a:r>
+              <a:rPr lang="en-US" sz="1600" dirty="0" err="1"/>
+              <a:t>Api</a:t>
+            </a:r>
+            <a:r>
+              <a:rPr lang="en-US" sz="1600" dirty="0"/>
+              <a:t>, @</a:t>
+            </a:r>
+            <a:r>
+              <a:rPr lang="en-US" sz="1600" dirty="0" err="1"/>
+              <a:t>ApiModel</a:t>
+            </a:r>
+            <a:r>
+              <a:rPr lang="en-US" sz="1600" dirty="0"/>
+              <a:t>, @</a:t>
+            </a:r>
+            <a:r>
+              <a:rPr lang="en-US" sz="1600" dirty="0" err="1"/>
+              <a:t>ApiModelProperty</a:t>
+            </a:r>
+            <a:r>
+              <a:rPr lang="en-US" sz="1600" dirty="0"/>
+              <a:t>, @</a:t>
+            </a:r>
+            <a:r>
+              <a:rPr lang="en-US" sz="1600" dirty="0" err="1"/>
+              <a:t>ApiOperation</a:t>
+            </a:r>
+            <a:r>
+              <a:rPr lang="en-US" sz="1600" dirty="0"/>
+              <a:t>, @</a:t>
+            </a:r>
+            <a:r>
+              <a:rPr lang="en-US" sz="1600" dirty="0" err="1"/>
+              <a:t>ApiParam</a:t>
+            </a:r>
+            <a:r>
+              <a:rPr lang="en-US" sz="1600" dirty="0"/>
+              <a:t>, @</a:t>
+            </a:r>
+            <a:r>
+              <a:rPr lang="en-US" sz="1600" dirty="0" err="1"/>
+              <a:t>ApiResponses</a:t>
+            </a:r>
+            <a:r>
+              <a:rPr lang="en-US" sz="1600" dirty="0"/>
+              <a:t>, @</a:t>
+            </a:r>
+            <a:r>
+              <a:rPr lang="en-US" sz="1600" dirty="0" err="1"/>
+              <a:t>ApiResponse</a:t>
+            </a:r>
+            <a:r>
+              <a:rPr lang="en-US" sz="1600" dirty="0"/>
+              <a:t>, @Authorization, </a:t>
+            </a:r>
+          </a:p>
+          <a:p>
+            <a:pPr marL="0" indent="0">
+              <a:buNone/>
+            </a:pPr>
+            <a:r>
+              <a:rPr lang="en-US" sz="1600" dirty="0"/>
+              <a:t>@</a:t>
+            </a:r>
+            <a:r>
+              <a:rPr lang="en-US" sz="1600" dirty="0" err="1"/>
+              <a:t>SwaggerDefinition</a:t>
+            </a:r>
+            <a:r>
+              <a:rPr lang="en-US" sz="1600" dirty="0"/>
+              <a:t>, @Info, @Contact, @License</a:t>
+            </a:r>
+          </a:p>
+          <a:p>
+            <a:pPr marL="0" indent="0">
+              <a:buNone/>
+            </a:pPr>
+            <a:r>
+              <a:rPr lang="en-US" sz="1400" dirty="0"/>
+              <a:t>&lt;!-- https://</a:t>
+            </a:r>
+            <a:r>
+              <a:rPr lang="en-US" sz="1400" dirty="0" err="1"/>
+              <a:t>mvnrepository.com</a:t>
+            </a:r>
+            <a:r>
+              <a:rPr lang="en-US" sz="1400" dirty="0"/>
+              <a:t>/artifact/</a:t>
+            </a:r>
+            <a:r>
+              <a:rPr lang="en-US" sz="1400" dirty="0" err="1"/>
+              <a:t>io.springfox</a:t>
+            </a:r>
+            <a:r>
+              <a:rPr lang="en-US" sz="1400" dirty="0"/>
+              <a:t>/springfox-swagger2 --&gt;</a:t>
+            </a:r>
+          </a:p>
+          <a:p>
+            <a:pPr marL="0" indent="0">
+              <a:buNone/>
+            </a:pPr>
+            <a:r>
+              <a:rPr lang="en-US" sz="1400" dirty="0"/>
+              <a:t>&lt;dependency&gt;</a:t>
+            </a:r>
+          </a:p>
+          <a:p>
+            <a:pPr marL="0" indent="0">
+              <a:buNone/>
+            </a:pPr>
+            <a:r>
+              <a:rPr lang="en-US" sz="1400" dirty="0"/>
+              <a:t>    &lt;</a:t>
+            </a:r>
+            <a:r>
+              <a:rPr lang="en-US" sz="1400" dirty="0" err="1"/>
+              <a:t>groupId</a:t>
+            </a:r>
+            <a:r>
+              <a:rPr lang="en-US" sz="1400" dirty="0"/>
+              <a:t>&gt;</a:t>
+            </a:r>
+            <a:r>
+              <a:rPr lang="en-US" sz="1400" dirty="0" err="1"/>
+              <a:t>io.springfox</a:t>
+            </a:r>
+            <a:r>
+              <a:rPr lang="en-US" sz="1400" dirty="0"/>
+              <a:t>&lt;/</a:t>
+            </a:r>
+            <a:r>
+              <a:rPr lang="en-US" sz="1400" dirty="0" err="1"/>
+              <a:t>groupId</a:t>
+            </a:r>
+            <a:r>
+              <a:rPr lang="en-US" sz="1400" dirty="0"/>
+              <a:t>&gt;</a:t>
+            </a:r>
+          </a:p>
+          <a:p>
+            <a:pPr marL="0" indent="0">
+              <a:buNone/>
+            </a:pPr>
+            <a:r>
+              <a:rPr lang="en-US" sz="1400" dirty="0"/>
+              <a:t>    &lt;</a:t>
+            </a:r>
+            <a:r>
+              <a:rPr lang="en-US" sz="1400" dirty="0" err="1"/>
+              <a:t>artifactId</a:t>
+            </a:r>
+            <a:r>
+              <a:rPr lang="en-US" sz="1400" dirty="0"/>
+              <a:t>&gt;springfox-swagger2&lt;/</a:t>
+            </a:r>
+            <a:r>
+              <a:rPr lang="en-US" sz="1400" dirty="0" err="1"/>
+              <a:t>artifactId</a:t>
+            </a:r>
+            <a:r>
+              <a:rPr lang="en-US" sz="1400" dirty="0"/>
+              <a:t>&gt;</a:t>
+            </a:r>
+          </a:p>
+          <a:p>
+            <a:pPr marL="0" indent="0">
+              <a:buNone/>
+            </a:pPr>
+            <a:r>
+              <a:rPr lang="en-US" sz="1400" dirty="0"/>
+              <a:t>    &lt;version&gt;2.9.2&lt;/version&gt;</a:t>
+            </a:r>
+          </a:p>
+          <a:p>
+            <a:pPr marL="0" indent="0">
+              <a:buNone/>
+            </a:pPr>
+            <a:r>
+              <a:rPr lang="en-US" sz="1400" dirty="0"/>
+              <a:t>&lt;/dependency&gt;</a:t>
+            </a:r>
+          </a:p>
+          <a:p>
+            <a:pPr marL="0" indent="0">
+              <a:buNone/>
+            </a:pPr>
+            <a:endParaRPr lang="en-US" sz="1600" dirty="0"/>
+          </a:p>
+          <a:p>
+            <a:pPr marL="0" indent="0">
+              <a:buNone/>
+            </a:pPr>
+            <a:endParaRPr lang="en-US" sz="1600" b="1" dirty="0"/>
           </a:p>
         </p:txBody>
       </p:sp>

--- a/SpringBootPPT/SpringBootFundamental.pptx
+++ b/SpringBootPPT/SpringBootFundamental.pptx
@@ -273,7 +273,7 @@
           <a:p>
             <a:fld id="{6E2622CA-4051-B34F-BE14-40F5BA4991DB}" type="datetimeFigureOut">
               <a:rPr lang="en-US" smtClean="0"/>
-              <a:t>8/27/20</a:t>
+              <a:t>8/28/20</a:t>
             </a:fld>
             <a:endParaRPr lang="en-US"/>
           </a:p>
@@ -471,7 +471,7 @@
           <a:p>
             <a:fld id="{6E2622CA-4051-B34F-BE14-40F5BA4991DB}" type="datetimeFigureOut">
               <a:rPr lang="en-US" smtClean="0"/>
-              <a:t>8/27/20</a:t>
+              <a:t>8/28/20</a:t>
             </a:fld>
             <a:endParaRPr lang="en-US"/>
           </a:p>
@@ -679,7 +679,7 @@
           <a:p>
             <a:fld id="{6E2622CA-4051-B34F-BE14-40F5BA4991DB}" type="datetimeFigureOut">
               <a:rPr lang="en-US" smtClean="0"/>
-              <a:t>8/27/20</a:t>
+              <a:t>8/28/20</a:t>
             </a:fld>
             <a:endParaRPr lang="en-US"/>
           </a:p>
@@ -877,7 +877,7 @@
           <a:p>
             <a:fld id="{6E2622CA-4051-B34F-BE14-40F5BA4991DB}" type="datetimeFigureOut">
               <a:rPr lang="en-US" smtClean="0"/>
-              <a:t>8/27/20</a:t>
+              <a:t>8/28/20</a:t>
             </a:fld>
             <a:endParaRPr lang="en-US"/>
           </a:p>
@@ -1152,7 +1152,7 @@
           <a:p>
             <a:fld id="{6E2622CA-4051-B34F-BE14-40F5BA4991DB}" type="datetimeFigureOut">
               <a:rPr lang="en-US" smtClean="0"/>
-              <a:t>8/27/20</a:t>
+              <a:t>8/28/20</a:t>
             </a:fld>
             <a:endParaRPr lang="en-US"/>
           </a:p>
@@ -1417,7 +1417,7 @@
           <a:p>
             <a:fld id="{6E2622CA-4051-B34F-BE14-40F5BA4991DB}" type="datetimeFigureOut">
               <a:rPr lang="en-US" smtClean="0"/>
-              <a:t>8/27/20</a:t>
+              <a:t>8/28/20</a:t>
             </a:fld>
             <a:endParaRPr lang="en-US"/>
           </a:p>
@@ -1829,7 +1829,7 @@
           <a:p>
             <a:fld id="{6E2622CA-4051-B34F-BE14-40F5BA4991DB}" type="datetimeFigureOut">
               <a:rPr lang="en-US" smtClean="0"/>
-              <a:t>8/27/20</a:t>
+              <a:t>8/28/20</a:t>
             </a:fld>
             <a:endParaRPr lang="en-US"/>
           </a:p>
@@ -1970,7 +1970,7 @@
           <a:p>
             <a:fld id="{6E2622CA-4051-B34F-BE14-40F5BA4991DB}" type="datetimeFigureOut">
               <a:rPr lang="en-US" smtClean="0"/>
-              <a:t>8/27/20</a:t>
+              <a:t>8/28/20</a:t>
             </a:fld>
             <a:endParaRPr lang="en-US"/>
           </a:p>
@@ -2083,7 +2083,7 @@
           <a:p>
             <a:fld id="{6E2622CA-4051-B34F-BE14-40F5BA4991DB}" type="datetimeFigureOut">
               <a:rPr lang="en-US" smtClean="0"/>
-              <a:t>8/27/20</a:t>
+              <a:t>8/28/20</a:t>
             </a:fld>
             <a:endParaRPr lang="en-US"/>
           </a:p>
@@ -2394,7 +2394,7 @@
           <a:p>
             <a:fld id="{6E2622CA-4051-B34F-BE14-40F5BA4991DB}" type="datetimeFigureOut">
               <a:rPr lang="en-US" smtClean="0"/>
-              <a:t>8/27/20</a:t>
+              <a:t>8/28/20</a:t>
             </a:fld>
             <a:endParaRPr lang="en-US"/>
           </a:p>
@@ -2682,7 +2682,7 @@
           <a:p>
             <a:fld id="{6E2622CA-4051-B34F-BE14-40F5BA4991DB}" type="datetimeFigureOut">
               <a:rPr lang="en-US" smtClean="0"/>
-              <a:t>8/27/20</a:t>
+              <a:t>8/28/20</a:t>
             </a:fld>
             <a:endParaRPr lang="en-US"/>
           </a:p>
@@ -2923,7 +2923,7 @@
           <a:p>
             <a:fld id="{6E2622CA-4051-B34F-BE14-40F5BA4991DB}" type="datetimeFigureOut">
               <a:rPr lang="en-US" smtClean="0"/>
-              <a:t>8/27/20</a:t>
+              <a:t>8/28/20</a:t>
             </a:fld>
             <a:endParaRPr lang="en-US"/>
           </a:p>
@@ -3517,9 +3517,16 @@
             <p:ph type="title"/>
           </p:nvPr>
         </p:nvSpPr>
-        <p:spPr/>
-        <p:txBody>
-          <a:bodyPr/>
+        <p:spPr>
+          <a:xfrm>
+            <a:off x="838200" y="365125"/>
+            <a:ext cx="10515600" cy="635539"/>
+          </a:xfrm>
+        </p:spPr>
+        <p:txBody>
+          <a:bodyPr>
+            <a:normAutofit fontScale="90000"/>
+          </a:bodyPr>
           <a:lstStyle/>
           <a:p>
             <a:r>
@@ -3545,12 +3552,127 @@
             <p:ph idx="1"/>
           </p:nvPr>
         </p:nvSpPr>
-        <p:spPr/>
-        <p:txBody>
-          <a:bodyPr/>
-          <a:lstStyle/>
-          <a:p>
-            <a:endParaRPr lang="en-US" dirty="0"/>
+        <p:spPr>
+          <a:xfrm>
+            <a:off x="838200" y="1000664"/>
+            <a:ext cx="10515600" cy="5176299"/>
+          </a:xfrm>
+        </p:spPr>
+        <p:txBody>
+          <a:bodyPr>
+            <a:normAutofit/>
+          </a:bodyPr>
+          <a:lstStyle/>
+          <a:p>
+            <a:pPr marL="0" indent="0">
+              <a:buNone/>
+            </a:pPr>
+            <a:r>
+              <a:rPr lang="en-US" sz="1400" dirty="0"/>
+              <a:t>To enable caching spring boot use third party cache provider like </a:t>
+            </a:r>
+            <a:r>
+              <a:rPr lang="en-US" sz="1400" dirty="0" err="1"/>
+              <a:t>hazelcast</a:t>
+            </a:r>
+            <a:r>
+              <a:rPr lang="en-US" sz="1400" dirty="0"/>
+              <a:t>, jobs </a:t>
+            </a:r>
+            <a:r>
+              <a:rPr lang="en-US" sz="1400" dirty="0" err="1"/>
+              <a:t>etc</a:t>
+            </a:r>
+            <a:r>
+              <a:rPr lang="en-US" sz="1400" dirty="0"/>
+              <a:t> cache. Hazel cache is a popular one. To use hazel cache, we need to follow below steps</a:t>
+            </a:r>
+          </a:p>
+          <a:p>
+            <a:pPr marL="0" indent="0">
+              <a:buNone/>
+            </a:pPr>
+            <a:r>
+              <a:rPr lang="en-US" sz="1400" dirty="0"/>
+              <a:t>1. Add dependencies- Stater, spring boot and </a:t>
+            </a:r>
+            <a:r>
+              <a:rPr lang="en-US" sz="1400" dirty="0" err="1"/>
+              <a:t>hazelcast</a:t>
+            </a:r>
+            <a:r>
+              <a:rPr lang="en-US" sz="1400" dirty="0"/>
+              <a:t>.. Total </a:t>
+            </a:r>
+            <a:r>
+              <a:rPr lang="en-US" sz="1400"/>
+              <a:t>3 dependency</a:t>
+            </a:r>
+            <a:endParaRPr lang="en-US" sz="1400" dirty="0"/>
+          </a:p>
+          <a:p>
+            <a:pPr marL="0" indent="0">
+              <a:buNone/>
+            </a:pPr>
+            <a:r>
+              <a:rPr lang="en-US" sz="1400" dirty="0"/>
+              <a:t>2. Create Cache Configuration- name of cache, no of object </a:t>
+            </a:r>
+            <a:r>
+              <a:rPr lang="en-US" sz="1400" dirty="0" err="1"/>
+              <a:t>ect</a:t>
+            </a:r>
+            <a:endParaRPr lang="en-US" sz="1400" dirty="0"/>
+          </a:p>
+          <a:p>
+            <a:pPr marL="0" indent="0">
+              <a:buNone/>
+            </a:pPr>
+            <a:r>
+              <a:rPr lang="en-US" sz="1400" dirty="0"/>
+              <a:t>3. Enable and Use caching - @</a:t>
+            </a:r>
+            <a:r>
+              <a:rPr lang="en-US" sz="1400" dirty="0" err="1"/>
+              <a:t>EnableCaching</a:t>
+            </a:r>
+            <a:endParaRPr lang="en-US" sz="1400" dirty="0"/>
+          </a:p>
+          <a:p>
+            <a:pPr marL="0" indent="0">
+              <a:buNone/>
+            </a:pPr>
+            <a:r>
+              <a:rPr lang="en-US" sz="1400" dirty="0"/>
+              <a:t>4. Use @Cacheable on rest controller or service class</a:t>
+            </a:r>
+          </a:p>
+          <a:p>
+            <a:pPr marL="0" indent="0">
+              <a:buNone/>
+            </a:pPr>
+            <a:r>
+              <a:rPr lang="en-US" sz="1400" dirty="0"/>
+              <a:t>5. Evict Cache- to remove cache-  LRU,LFU, NONE,RANDOM these are cache evict policy</a:t>
+            </a:r>
+          </a:p>
+          <a:p>
+            <a:pPr marL="0" indent="0">
+              <a:buNone/>
+            </a:pPr>
+            <a:r>
+              <a:rPr lang="en-US" sz="1400" dirty="0"/>
+              <a:t>6. All model should implement Serializable interface</a:t>
+            </a:r>
+          </a:p>
+          <a:p>
+            <a:pPr marL="0" indent="0">
+              <a:buNone/>
+            </a:pPr>
+            <a:r>
+              <a:rPr lang="en-US" sz="1400" dirty="0"/>
+              <a:t>	</a:t>
+            </a:r>
           </a:p>
         </p:txBody>
       </p:sp>
@@ -3926,7 +4048,7 @@
         </p:spPr>
         <p:txBody>
           <a:bodyPr>
-            <a:normAutofit lnSpcReduction="10000"/>
+            <a:normAutofit/>
           </a:bodyPr>
           <a:lstStyle/>
           <a:p>
@@ -3934,15 +4056,15 @@
               <a:buNone/>
             </a:pPr>
             <a:r>
-              <a:rPr lang="en-US" sz="1600" dirty="0"/>
+              <a:rPr lang="en-US" sz="1400" dirty="0"/>
               <a:t>Swagger provide a standard way to document our restful services. We document what all rest services our service is exposing out and how request and response will look in </a:t>
             </a:r>
             <a:r>
-              <a:rPr lang="en-US" sz="1600" dirty="0" err="1"/>
+              <a:rPr lang="en-US" sz="1400" dirty="0" err="1"/>
               <a:t>json</a:t>
             </a:r>
             <a:r>
-              <a:rPr lang="en-US" sz="1600" dirty="0"/>
+              <a:rPr lang="en-US" sz="1400" dirty="0"/>
               <a:t>.</a:t>
             </a:r>
           </a:p>
@@ -3951,7 +4073,7 @@
               <a:buNone/>
             </a:pPr>
             <a:r>
-              <a:rPr lang="en-US" sz="1600" b="1" dirty="0"/>
+              <a:rPr lang="en-US" sz="1200" b="1" dirty="0"/>
               <a:t>Swagger specification or Open API Specification.</a:t>
             </a:r>
           </a:p>
@@ -3960,7 +4082,7 @@
               <a:buNone/>
             </a:pPr>
             <a:r>
-              <a:rPr lang="en-US" sz="1600" b="1" dirty="0"/>
+              <a:rPr lang="en-US" sz="1200" b="1" dirty="0"/>
               <a:t>Swagger UI- generate beautiful UI</a:t>
             </a:r>
           </a:p>
@@ -3969,7 +4091,7 @@
               <a:buNone/>
             </a:pPr>
             <a:r>
-              <a:rPr lang="en-US" sz="1600" b="1" dirty="0"/>
+              <a:rPr lang="en-US" sz="1200" b="1" dirty="0"/>
               <a:t>Swagger Editor – to hand code swagger document</a:t>
             </a:r>
           </a:p>
@@ -3978,15 +4100,15 @@
               <a:buNone/>
             </a:pPr>
             <a:r>
-              <a:rPr lang="en-US" sz="1600" b="1" dirty="0"/>
+              <a:rPr lang="en-US" sz="1200" b="1" dirty="0"/>
               <a:t>Swagger </a:t>
             </a:r>
             <a:r>
-              <a:rPr lang="en-US" sz="1600" b="1" dirty="0" err="1"/>
+              <a:rPr lang="en-US" sz="1200" b="1" dirty="0" err="1"/>
               <a:t>codegen</a:t>
             </a:r>
             <a:r>
-              <a:rPr lang="en-US" sz="1600" b="1" dirty="0"/>
+              <a:rPr lang="en-US" sz="1200" b="1" dirty="0"/>
               <a:t> – to generate code.</a:t>
             </a:r>
           </a:p>
@@ -3995,7 +4117,7 @@
               <a:buNone/>
             </a:pPr>
             <a:r>
-              <a:rPr lang="en-US" sz="1600" dirty="0"/>
+              <a:rPr lang="en-US" sz="1200" dirty="0"/>
               <a:t>Swagger allow to customize data using below annotations.</a:t>
             </a:r>
           </a:p>
@@ -4004,63 +4126,63 @@
               <a:buNone/>
             </a:pPr>
             <a:r>
-              <a:rPr lang="en-US" sz="1600" dirty="0"/>
+              <a:rPr lang="en-US" sz="1200" dirty="0"/>
               <a:t>@</a:t>
             </a:r>
             <a:r>
-              <a:rPr lang="en-US" sz="1600" dirty="0" err="1"/>
+              <a:rPr lang="en-US" sz="1200" dirty="0" err="1"/>
               <a:t>Api</a:t>
             </a:r>
             <a:r>
-              <a:rPr lang="en-US" sz="1600" dirty="0"/>
+              <a:rPr lang="en-US" sz="1200" dirty="0"/>
               <a:t>, @</a:t>
             </a:r>
             <a:r>
-              <a:rPr lang="en-US" sz="1600" dirty="0" err="1"/>
+              <a:rPr lang="en-US" sz="1200" dirty="0" err="1"/>
               <a:t>ApiModel</a:t>
             </a:r>
             <a:r>
-              <a:rPr lang="en-US" sz="1600" dirty="0"/>
+              <a:rPr lang="en-US" sz="1200" dirty="0"/>
               <a:t>, @</a:t>
             </a:r>
             <a:r>
-              <a:rPr lang="en-US" sz="1600" dirty="0" err="1"/>
+              <a:rPr lang="en-US" sz="1200" dirty="0" err="1"/>
               <a:t>ApiModelProperty</a:t>
             </a:r>
             <a:r>
-              <a:rPr lang="en-US" sz="1600" dirty="0"/>
+              <a:rPr lang="en-US" sz="1200" dirty="0"/>
               <a:t>, @</a:t>
             </a:r>
             <a:r>
-              <a:rPr lang="en-US" sz="1600" dirty="0" err="1"/>
+              <a:rPr lang="en-US" sz="1200" dirty="0" err="1"/>
               <a:t>ApiOperation</a:t>
             </a:r>
             <a:r>
-              <a:rPr lang="en-US" sz="1600" dirty="0"/>
+              <a:rPr lang="en-US" sz="1200" dirty="0"/>
               <a:t>, @</a:t>
             </a:r>
             <a:r>
-              <a:rPr lang="en-US" sz="1600" dirty="0" err="1"/>
+              <a:rPr lang="en-US" sz="1200" dirty="0" err="1"/>
               <a:t>ApiParam</a:t>
             </a:r>
             <a:r>
-              <a:rPr lang="en-US" sz="1600" dirty="0"/>
+              <a:rPr lang="en-US" sz="1200" dirty="0"/>
               <a:t>, @</a:t>
             </a:r>
             <a:r>
-              <a:rPr lang="en-US" sz="1600" dirty="0" err="1"/>
+              <a:rPr lang="en-US" sz="1200" dirty="0" err="1"/>
               <a:t>ApiResponses</a:t>
             </a:r>
             <a:r>
-              <a:rPr lang="en-US" sz="1600" dirty="0"/>
+              <a:rPr lang="en-US" sz="1200" dirty="0"/>
               <a:t>, @</a:t>
             </a:r>
             <a:r>
-              <a:rPr lang="en-US" sz="1600" dirty="0" err="1"/>
+              <a:rPr lang="en-US" sz="1200" dirty="0" err="1"/>
               <a:t>ApiResponse</a:t>
             </a:r>
             <a:r>
-              <a:rPr lang="en-US" sz="1600" dirty="0"/>
+              <a:rPr lang="en-US" sz="1200" dirty="0"/>
               <a:t>, @Authorization, </a:t>
             </a:r>
           </a:p>
@@ -4069,16 +4191,41 @@
               <a:buNone/>
             </a:pPr>
             <a:r>
-              <a:rPr lang="en-US" sz="1600" dirty="0"/>
+              <a:rPr lang="en-US" sz="1200" dirty="0"/>
               <a:t>@</a:t>
             </a:r>
             <a:r>
-              <a:rPr lang="en-US" sz="1600" dirty="0" err="1"/>
+              <a:rPr lang="en-US" sz="1200" dirty="0" err="1"/>
               <a:t>SwaggerDefinition</a:t>
             </a:r>
             <a:r>
-              <a:rPr lang="en-US" sz="1600" dirty="0"/>
+              <a:rPr lang="en-US" sz="1200" dirty="0"/>
               <a:t>, @Info, @Contact, @License</a:t>
+            </a:r>
+          </a:p>
+          <a:p>
+            <a:pPr marL="0" indent="0">
+              <a:buNone/>
+            </a:pPr>
+            <a:r>
+              <a:rPr lang="en-US" sz="1200" dirty="0"/>
+              <a:t>Add below </a:t>
+            </a:r>
+            <a:r>
+              <a:rPr lang="en-US" sz="1200" dirty="0" err="1"/>
+              <a:t>Pom.xml</a:t>
+            </a:r>
+            <a:r>
+              <a:rPr lang="en-US" sz="1200" dirty="0"/>
+              <a:t> Dependency for swagger  and add @EnableSwagger2 annotation on application class… v2/</a:t>
+            </a:r>
+            <a:r>
+              <a:rPr lang="en-US" sz="1200" dirty="0" err="1"/>
+              <a:t>api</a:t>
+            </a:r>
+            <a:r>
+              <a:rPr lang="en-US" sz="1200" dirty="0"/>
+              <a:t>-docs</a:t>
             </a:r>
           </a:p>
           <a:p>
@@ -4111,7 +4258,7 @@
               <a:buNone/>
             </a:pPr>
             <a:r>
-              <a:rPr lang="en-US" sz="1400" dirty="0"/>
+              <a:rPr lang="en-US" sz="1200" dirty="0"/>
               <a:t>&lt;dependency&gt;</a:t>
             </a:r>
           </a:p>
@@ -4120,31 +4267,31 @@
               <a:buNone/>
             </a:pPr>
             <a:r>
-              <a:rPr lang="en-US" sz="1400" dirty="0"/>
+              <a:rPr lang="en-US" sz="1200" dirty="0"/>
               <a:t>    &lt;</a:t>
             </a:r>
             <a:r>
-              <a:rPr lang="en-US" sz="1400" dirty="0" err="1"/>
+              <a:rPr lang="en-US" sz="1200" dirty="0" err="1"/>
               <a:t>groupId</a:t>
             </a:r>
             <a:r>
-              <a:rPr lang="en-US" sz="1400" dirty="0"/>
+              <a:rPr lang="en-US" sz="1200" dirty="0"/>
               <a:t>&gt;</a:t>
             </a:r>
             <a:r>
-              <a:rPr lang="en-US" sz="1400" dirty="0" err="1"/>
+              <a:rPr lang="en-US" sz="1200" dirty="0" err="1"/>
               <a:t>io.springfox</a:t>
             </a:r>
             <a:r>
-              <a:rPr lang="en-US" sz="1400" dirty="0"/>
+              <a:rPr lang="en-US" sz="1200" dirty="0"/>
               <a:t>&lt;/</a:t>
             </a:r>
             <a:r>
-              <a:rPr lang="en-US" sz="1400" dirty="0" err="1"/>
+              <a:rPr lang="en-US" sz="1200" dirty="0" err="1"/>
               <a:t>groupId</a:t>
             </a:r>
             <a:r>
-              <a:rPr lang="en-US" sz="1400" dirty="0"/>
+              <a:rPr lang="en-US" sz="1200" dirty="0"/>
               <a:t>&gt;</a:t>
             </a:r>
           </a:p>
@@ -4153,23 +4300,23 @@
               <a:buNone/>
             </a:pPr>
             <a:r>
-              <a:rPr lang="en-US" sz="1400" dirty="0"/>
+              <a:rPr lang="en-US" sz="1200" dirty="0"/>
               <a:t>    &lt;</a:t>
             </a:r>
             <a:r>
-              <a:rPr lang="en-US" sz="1400" dirty="0" err="1"/>
+              <a:rPr lang="en-US" sz="1200" dirty="0" err="1"/>
               <a:t>artifactId</a:t>
             </a:r>
             <a:r>
-              <a:rPr lang="en-US" sz="1400" dirty="0"/>
+              <a:rPr lang="en-US" sz="1200" dirty="0"/>
               <a:t>&gt;springfox-swagger2&lt;/</a:t>
             </a:r>
             <a:r>
-              <a:rPr lang="en-US" sz="1400" dirty="0" err="1"/>
+              <a:rPr lang="en-US" sz="1200" dirty="0" err="1"/>
               <a:t>artifactId</a:t>
             </a:r>
             <a:r>
-              <a:rPr lang="en-US" sz="1400" dirty="0"/>
+              <a:rPr lang="en-US" sz="1200" dirty="0"/>
               <a:t>&gt;</a:t>
             </a:r>
           </a:p>
@@ -4178,7 +4325,7 @@
               <a:buNone/>
             </a:pPr>
             <a:r>
-              <a:rPr lang="en-US" sz="1400" dirty="0"/>
+              <a:rPr lang="en-US" sz="1200" dirty="0"/>
               <a:t>    &lt;version&gt;2.9.2&lt;/version&gt;</a:t>
             </a:r>
           </a:p>
@@ -4187,8 +4334,8 @@
               <a:buNone/>
             </a:pPr>
             <a:r>
-              <a:rPr lang="en-US" sz="1400" dirty="0"/>
-              <a:t>&lt;/dependency&gt;</a:t>
+              <a:rPr lang="en-US" sz="1200" dirty="0"/>
+              <a:t>&lt;/dependency&gt;...</a:t>
             </a:r>
           </a:p>
           <a:p>
@@ -4237,53 +4384,177 @@
       </p:grpSpPr>
       <p:sp>
         <p:nvSpPr>
-          <p:cNvPr id="2" name="Title 1">
-            <a:extLst>
-              <a:ext uri="{FF2B5EF4-FFF2-40B4-BE49-F238E27FC236}">
-                <a16:creationId xmlns:a16="http://schemas.microsoft.com/office/drawing/2014/main" id="{CCA09918-9EC2-B846-8917-82C24512FDE3}"/>
-              </a:ext>
-            </a:extLst>
-          </p:cNvPr>
-          <p:cNvSpPr>
-            <a:spLocks noGrp="1"/>
-          </p:cNvSpPr>
-          <p:nvPr>
-            <p:ph type="title"/>
-          </p:nvPr>
-        </p:nvSpPr>
-        <p:spPr/>
-        <p:txBody>
-          <a:bodyPr/>
-          <a:lstStyle/>
-          <a:p>
+          <p:cNvPr id="3" name="Content Placeholder 2">
+            <a:extLst>
+              <a:ext uri="{FF2B5EF4-FFF2-40B4-BE49-F238E27FC236}">
+                <a16:creationId xmlns:a16="http://schemas.microsoft.com/office/drawing/2014/main" id="{9F6F5C68-DCE0-5B47-AEA0-8BDA2AEF90AD}"/>
+              </a:ext>
+            </a:extLst>
+          </p:cNvPr>
+          <p:cNvSpPr>
+            <a:spLocks noGrp="1"/>
+          </p:cNvSpPr>
+          <p:nvPr>
+            <p:ph idx="1"/>
+          </p:nvPr>
+        </p:nvSpPr>
+        <p:spPr>
+          <a:xfrm>
+            <a:off x="838200" y="310551"/>
+            <a:ext cx="10515600" cy="5866412"/>
+          </a:xfrm>
+        </p:spPr>
+        <p:txBody>
+          <a:bodyPr/>
+          <a:lstStyle/>
+          <a:p>
+            <a:pPr marL="0" indent="0">
+              <a:buNone/>
+            </a:pPr>
             <a:r>
               <a:rPr lang="en-US" dirty="0"/>
-              <a:t>Validation</a:t>
-            </a:r>
-          </a:p>
-        </p:txBody>
-      </p:sp>
-      <p:sp>
-        <p:nvSpPr>
-          <p:cNvPr id="3" name="Content Placeholder 2">
-            <a:extLst>
-              <a:ext uri="{FF2B5EF4-FFF2-40B4-BE49-F238E27FC236}">
-                <a16:creationId xmlns:a16="http://schemas.microsoft.com/office/drawing/2014/main" id="{9F6F5C68-DCE0-5B47-AEA0-8BDA2AEF90AD}"/>
-              </a:ext>
-            </a:extLst>
-          </p:cNvPr>
-          <p:cNvSpPr>
-            <a:spLocks noGrp="1"/>
-          </p:cNvSpPr>
-          <p:nvPr>
-            <p:ph idx="1"/>
-          </p:nvPr>
-        </p:nvSpPr>
-        <p:spPr/>
-        <p:txBody>
-          <a:bodyPr/>
-          <a:lstStyle/>
-          <a:p>
+              <a:t>1. Swagger </a:t>
+            </a:r>
+            <a:r>
+              <a:rPr lang="en-US" dirty="0" err="1"/>
+              <a:t>ui</a:t>
+            </a:r>
+            <a:r>
+              <a:rPr lang="en-US" dirty="0"/>
+              <a:t> dependency </a:t>
+            </a:r>
+          </a:p>
+          <a:p>
+            <a:pPr marL="0" indent="0">
+              <a:buNone/>
+            </a:pPr>
+            <a:endParaRPr lang="en-US" sz="1400" dirty="0"/>
+          </a:p>
+          <a:p>
+            <a:pPr marL="0" indent="0">
+              <a:buNone/>
+            </a:pPr>
+            <a:r>
+              <a:rPr lang="en-US" sz="1600" b="1" dirty="0"/>
+              <a:t>Swagger-</a:t>
+            </a:r>
+            <a:r>
+              <a:rPr lang="en-US" sz="1600" b="1" dirty="0" err="1"/>
+              <a:t>ui.html</a:t>
+            </a:r>
+            <a:endParaRPr lang="en-US" sz="1600" b="1" dirty="0"/>
+          </a:p>
+          <a:p>
+            <a:pPr marL="0" indent="0">
+              <a:buNone/>
+            </a:pPr>
+            <a:endParaRPr lang="en-US" sz="1400" dirty="0"/>
+          </a:p>
+          <a:p>
+            <a:pPr marL="0" indent="0">
+              <a:buNone/>
+            </a:pPr>
+            <a:r>
+              <a:rPr lang="en-US" sz="1400" dirty="0"/>
+              <a:t>&lt;dependency&gt;</a:t>
+            </a:r>
+          </a:p>
+          <a:p>
+            <a:pPr marL="0" indent="0">
+              <a:buNone/>
+            </a:pPr>
+            <a:r>
+              <a:rPr lang="en-US" sz="1400" dirty="0"/>
+              <a:t>    &lt;</a:t>
+            </a:r>
+            <a:r>
+              <a:rPr lang="en-US" sz="1400" dirty="0" err="1"/>
+              <a:t>groupId</a:t>
+            </a:r>
+            <a:r>
+              <a:rPr lang="en-US" sz="1400" dirty="0"/>
+              <a:t>&gt;</a:t>
+            </a:r>
+            <a:r>
+              <a:rPr lang="en-US" sz="1400" dirty="0" err="1"/>
+              <a:t>io.springfox</a:t>
+            </a:r>
+            <a:r>
+              <a:rPr lang="en-US" sz="1400" dirty="0"/>
+              <a:t>&lt;/</a:t>
+            </a:r>
+            <a:r>
+              <a:rPr lang="en-US" sz="1400" dirty="0" err="1"/>
+              <a:t>groupId</a:t>
+            </a:r>
+            <a:r>
+              <a:rPr lang="en-US" sz="1400" dirty="0"/>
+              <a:t>&gt;</a:t>
+            </a:r>
+          </a:p>
+          <a:p>
+            <a:pPr marL="0" indent="0">
+              <a:buNone/>
+            </a:pPr>
+            <a:r>
+              <a:rPr lang="en-US" sz="1400" dirty="0"/>
+              <a:t>    &lt;</a:t>
+            </a:r>
+            <a:r>
+              <a:rPr lang="en-US" sz="1400" dirty="0" err="1"/>
+              <a:t>artifactId</a:t>
+            </a:r>
+            <a:r>
+              <a:rPr lang="en-US" sz="1400" dirty="0"/>
+              <a:t>&gt;</a:t>
+            </a:r>
+            <a:r>
+              <a:rPr lang="en-US" sz="1400" dirty="0" err="1"/>
+              <a:t>springfox</a:t>
+            </a:r>
+            <a:r>
+              <a:rPr lang="en-US" sz="1400" dirty="0"/>
+              <a:t>-swagger-</a:t>
+            </a:r>
+            <a:r>
+              <a:rPr lang="en-US" sz="1400" dirty="0" err="1"/>
+              <a:t>ui</a:t>
+            </a:r>
+            <a:r>
+              <a:rPr lang="en-US" sz="1400" dirty="0"/>
+              <a:t>&lt;/</a:t>
+            </a:r>
+            <a:r>
+              <a:rPr lang="en-US" sz="1400" dirty="0" err="1"/>
+              <a:t>artifactId</a:t>
+            </a:r>
+            <a:r>
+              <a:rPr lang="en-US" sz="1400" dirty="0"/>
+              <a:t>&gt;</a:t>
+            </a:r>
+          </a:p>
+          <a:p>
+            <a:pPr marL="0" indent="0">
+              <a:buNone/>
+            </a:pPr>
+            <a:r>
+              <a:rPr lang="en-US" sz="1400" dirty="0"/>
+              <a:t>    &lt;version&gt;2.9.2&lt;/version&gt;</a:t>
+            </a:r>
+          </a:p>
+          <a:p>
+            <a:pPr marL="0" indent="0">
+              <a:buNone/>
+            </a:pPr>
+            <a:r>
+              <a:rPr lang="en-US" sz="1400" dirty="0"/>
+              <a:t>&lt;/dependency&gt;...</a:t>
+            </a:r>
+          </a:p>
+          <a:p>
+            <a:pPr marL="0" indent="0">
+              <a:buNone/>
+            </a:pPr>
             <a:endParaRPr lang="en-US" dirty="0"/>
           </a:p>
         </p:txBody>
